--- a/Documents/Plan/ИДС ЖД (Система Номерного учета прибывших вагонов на АМКР).pptx
+++ b/Documents/Plan/ИДС ЖД (Система Номерного учета прибывших вагонов на АМКР).pptx
@@ -5,12 +5,15 @@
     <p:sldMasterId id="2147483648" r:id="rId1"/>
   </p:sldMasterIdLst>
   <p:notesMasterIdLst>
-    <p:notesMasterId r:id="rId5"/>
+    <p:notesMasterId r:id="rId8"/>
   </p:notesMasterIdLst>
   <p:sldIdLst>
     <p:sldId id="278" r:id="rId2"/>
     <p:sldId id="306" r:id="rId3"/>
     <p:sldId id="307" r:id="rId4"/>
+    <p:sldId id="308" r:id="rId5"/>
+    <p:sldId id="309" r:id="rId6"/>
+    <p:sldId id="310" r:id="rId7"/>
   </p:sldIdLst>
   <p:sldSz cx="12192000" cy="6858000"/>
   <p:notesSz cx="6797675" cy="9926638"/>
@@ -210,7 +213,7 @@
           <a:p>
             <a:fld id="{AE208301-65BA-4708-BBF4-5146EF76B1C4}" type="datetimeFigureOut">
               <a:rPr lang="ru-RU" smtClean="0"/>
-              <a:t>24.07.2020</a:t>
+              <a:t>19.08.2020</a:t>
             </a:fld>
             <a:endParaRPr lang="ru-RU"/>
           </a:p>
@@ -274,38 +277,37 @@
           <a:p>
             <a:pPr lvl="0"/>
             <a:r>
-              <a:rPr lang="ru-RU" smtClean="0"/>
+              <a:rPr lang="ru-RU"/>
               <a:t>Образец текста</a:t>
             </a:r>
           </a:p>
           <a:p>
             <a:pPr lvl="1"/>
             <a:r>
-              <a:rPr lang="ru-RU" smtClean="0"/>
+              <a:rPr lang="ru-RU"/>
               <a:t>Второй уровень</a:t>
             </a:r>
           </a:p>
           <a:p>
             <a:pPr lvl="2"/>
             <a:r>
-              <a:rPr lang="ru-RU" smtClean="0"/>
+              <a:rPr lang="ru-RU"/>
               <a:t>Третий уровень</a:t>
             </a:r>
           </a:p>
           <a:p>
             <a:pPr lvl="3"/>
             <a:r>
-              <a:rPr lang="ru-RU" smtClean="0"/>
+              <a:rPr lang="ru-RU"/>
               <a:t>Четвертый уровень</a:t>
             </a:r>
           </a:p>
           <a:p>
             <a:pPr lvl="4"/>
             <a:r>
-              <a:rPr lang="ru-RU" smtClean="0"/>
+              <a:rPr lang="ru-RU"/>
               <a:t>Пятый уровень</a:t>
             </a:r>
-            <a:endParaRPr lang="ru-RU"/>
           </a:p>
         </p:txBody>
       </p:sp>
@@ -942,10 +944,9 @@
           </a:lstStyle>
           <a:p>
             <a:r>
-              <a:rPr lang="ru-RU" smtClean="0"/>
+              <a:rPr lang="ru-RU"/>
               <a:t>Образец заголовка</a:t>
             </a:r>
-            <a:endParaRPr lang="ru-RU"/>
           </a:p>
         </p:txBody>
       </p:sp>
@@ -1007,10 +1008,9 @@
           </a:lstStyle>
           <a:p>
             <a:r>
-              <a:rPr lang="ru-RU" smtClean="0"/>
+              <a:rPr lang="ru-RU"/>
               <a:t>Образец подзаголовка</a:t>
             </a:r>
-            <a:endParaRPr lang="ru-RU"/>
           </a:p>
         </p:txBody>
       </p:sp>
@@ -1031,7 +1031,7 @@
           <a:p>
             <a:fld id="{CA537D03-DFB1-4394-A06E-BA93329ABC9F}" type="datetimeFigureOut">
               <a:rPr lang="ru-RU" smtClean="0"/>
-              <a:t>24.07.2020</a:t>
+              <a:t>19.08.2020</a:t>
             </a:fld>
             <a:endParaRPr lang="ru-RU"/>
           </a:p>
@@ -1125,10 +1125,9 @@
           <a:lstStyle/>
           <a:p>
             <a:r>
-              <a:rPr lang="ru-RU" smtClean="0"/>
+              <a:rPr lang="ru-RU"/>
               <a:t>Образец заголовка</a:t>
             </a:r>
-            <a:endParaRPr lang="ru-RU"/>
           </a:p>
         </p:txBody>
       </p:sp>
@@ -1149,38 +1148,37 @@
           <a:p>
             <a:pPr lvl="0"/>
             <a:r>
-              <a:rPr lang="ru-RU" smtClean="0"/>
+              <a:rPr lang="ru-RU"/>
               <a:t>Образец текста</a:t>
             </a:r>
           </a:p>
           <a:p>
             <a:pPr lvl="1"/>
             <a:r>
-              <a:rPr lang="ru-RU" smtClean="0"/>
+              <a:rPr lang="ru-RU"/>
               <a:t>Второй уровень</a:t>
             </a:r>
           </a:p>
           <a:p>
             <a:pPr lvl="2"/>
             <a:r>
-              <a:rPr lang="ru-RU" smtClean="0"/>
+              <a:rPr lang="ru-RU"/>
               <a:t>Третий уровень</a:t>
             </a:r>
           </a:p>
           <a:p>
             <a:pPr lvl="3"/>
             <a:r>
-              <a:rPr lang="ru-RU" smtClean="0"/>
+              <a:rPr lang="ru-RU"/>
               <a:t>Четвертый уровень</a:t>
             </a:r>
           </a:p>
           <a:p>
             <a:pPr lvl="4"/>
             <a:r>
-              <a:rPr lang="ru-RU" smtClean="0"/>
+              <a:rPr lang="ru-RU"/>
               <a:t>Пятый уровень</a:t>
             </a:r>
-            <a:endParaRPr lang="ru-RU"/>
           </a:p>
         </p:txBody>
       </p:sp>
@@ -1201,7 +1199,7 @@
           <a:p>
             <a:fld id="{CA537D03-DFB1-4394-A06E-BA93329ABC9F}" type="datetimeFigureOut">
               <a:rPr lang="ru-RU" smtClean="0"/>
-              <a:t>24.07.2020</a:t>
+              <a:t>19.08.2020</a:t>
             </a:fld>
             <a:endParaRPr lang="ru-RU"/>
           </a:p>
@@ -1300,10 +1298,9 @@
           <a:lstStyle/>
           <a:p>
             <a:r>
-              <a:rPr lang="ru-RU" smtClean="0"/>
+              <a:rPr lang="ru-RU"/>
               <a:t>Образец заголовка</a:t>
             </a:r>
-            <a:endParaRPr lang="ru-RU"/>
           </a:p>
         </p:txBody>
       </p:sp>
@@ -1329,38 +1326,37 @@
           <a:p>
             <a:pPr lvl="0"/>
             <a:r>
-              <a:rPr lang="ru-RU" smtClean="0"/>
+              <a:rPr lang="ru-RU"/>
               <a:t>Образец текста</a:t>
             </a:r>
           </a:p>
           <a:p>
             <a:pPr lvl="1"/>
             <a:r>
-              <a:rPr lang="ru-RU" smtClean="0"/>
+              <a:rPr lang="ru-RU"/>
               <a:t>Второй уровень</a:t>
             </a:r>
           </a:p>
           <a:p>
             <a:pPr lvl="2"/>
             <a:r>
-              <a:rPr lang="ru-RU" smtClean="0"/>
+              <a:rPr lang="ru-RU"/>
               <a:t>Третий уровень</a:t>
             </a:r>
           </a:p>
           <a:p>
             <a:pPr lvl="3"/>
             <a:r>
-              <a:rPr lang="ru-RU" smtClean="0"/>
+              <a:rPr lang="ru-RU"/>
               <a:t>Четвертый уровень</a:t>
             </a:r>
           </a:p>
           <a:p>
             <a:pPr lvl="4"/>
             <a:r>
-              <a:rPr lang="ru-RU" smtClean="0"/>
+              <a:rPr lang="ru-RU"/>
               <a:t>Пятый уровень</a:t>
             </a:r>
-            <a:endParaRPr lang="ru-RU"/>
           </a:p>
         </p:txBody>
       </p:sp>
@@ -1381,7 +1377,7 @@
           <a:p>
             <a:fld id="{CA537D03-DFB1-4394-A06E-BA93329ABC9F}" type="datetimeFigureOut">
               <a:rPr lang="ru-RU" smtClean="0"/>
-              <a:t>24.07.2020</a:t>
+              <a:t>19.08.2020</a:t>
             </a:fld>
             <a:endParaRPr lang="ru-RU"/>
           </a:p>
@@ -1478,7 +1474,7 @@
           <p:cNvPr id="3" name="Picture Placeholder 2">
             <a:extLst>
               <a:ext uri="{FF2B5EF4-FFF2-40B4-BE49-F238E27FC236}">
-                <a16:creationId xmlns:a16="http://schemas.microsoft.com/office/drawing/2014/main" xmlns="" id="{ABB5D7BA-B5BA-428F-BBA5-87C97F21E22D}"/>
+                <a16:creationId xmlns:a16="http://schemas.microsoft.com/office/drawing/2014/main" id="{ABB5D7BA-B5BA-428F-BBA5-87C97F21E22D}"/>
               </a:ext>
             </a:extLst>
           </p:cNvPr>
@@ -1598,7 +1594,7 @@
           <p:cNvPr id="17" name="Picture 16">
             <a:extLst>
               <a:ext uri="{FF2B5EF4-FFF2-40B4-BE49-F238E27FC236}">
-                <a16:creationId xmlns:a16="http://schemas.microsoft.com/office/drawing/2014/main" xmlns="" id="{71AC12B1-0300-415B-BD1A-5ED8BF35DE4C}"/>
+                <a16:creationId xmlns:a16="http://schemas.microsoft.com/office/drawing/2014/main" id="{71AC12B1-0300-415B-BD1A-5ED8BF35DE4C}"/>
               </a:ext>
             </a:extLst>
           </p:cNvPr>
@@ -1800,10 +1796,9 @@
           <a:lstStyle/>
           <a:p>
             <a:r>
-              <a:rPr lang="ru-RU" smtClean="0"/>
+              <a:rPr lang="ru-RU"/>
               <a:t>Образец заголовка</a:t>
             </a:r>
-            <a:endParaRPr lang="ru-RU"/>
           </a:p>
         </p:txBody>
       </p:sp>
@@ -1824,38 +1819,37 @@
           <a:p>
             <a:pPr lvl="0"/>
             <a:r>
-              <a:rPr lang="ru-RU" smtClean="0"/>
+              <a:rPr lang="ru-RU"/>
               <a:t>Образец текста</a:t>
             </a:r>
           </a:p>
           <a:p>
             <a:pPr lvl="1"/>
             <a:r>
-              <a:rPr lang="ru-RU" smtClean="0"/>
+              <a:rPr lang="ru-RU"/>
               <a:t>Второй уровень</a:t>
             </a:r>
           </a:p>
           <a:p>
             <a:pPr lvl="2"/>
             <a:r>
-              <a:rPr lang="ru-RU" smtClean="0"/>
+              <a:rPr lang="ru-RU"/>
               <a:t>Третий уровень</a:t>
             </a:r>
           </a:p>
           <a:p>
             <a:pPr lvl="3"/>
             <a:r>
-              <a:rPr lang="ru-RU" smtClean="0"/>
+              <a:rPr lang="ru-RU"/>
               <a:t>Четвертый уровень</a:t>
             </a:r>
           </a:p>
           <a:p>
             <a:pPr lvl="4"/>
             <a:r>
-              <a:rPr lang="ru-RU" smtClean="0"/>
+              <a:rPr lang="ru-RU"/>
               <a:t>Пятый уровень</a:t>
             </a:r>
-            <a:endParaRPr lang="ru-RU"/>
           </a:p>
         </p:txBody>
       </p:sp>
@@ -1876,7 +1870,7 @@
           <a:p>
             <a:fld id="{CA537D03-DFB1-4394-A06E-BA93329ABC9F}" type="datetimeFigureOut">
               <a:rPr lang="ru-RU" smtClean="0"/>
-              <a:t>24.07.2020</a:t>
+              <a:t>19.08.2020</a:t>
             </a:fld>
             <a:endParaRPr lang="ru-RU"/>
           </a:p>
@@ -1979,10 +1973,9 @@
           </a:lstStyle>
           <a:p>
             <a:r>
-              <a:rPr lang="ru-RU" smtClean="0"/>
+              <a:rPr lang="ru-RU"/>
               <a:t>Образец заголовка</a:t>
             </a:r>
-            <a:endParaRPr lang="ru-RU"/>
           </a:p>
         </p:txBody>
       </p:sp>
@@ -2099,7 +2092,7 @@
           <a:p>
             <a:pPr lvl="0"/>
             <a:r>
-              <a:rPr lang="ru-RU" smtClean="0"/>
+              <a:rPr lang="ru-RU"/>
               <a:t>Образец текста</a:t>
             </a:r>
           </a:p>
@@ -2122,7 +2115,7 @@
           <a:p>
             <a:fld id="{CA537D03-DFB1-4394-A06E-BA93329ABC9F}" type="datetimeFigureOut">
               <a:rPr lang="ru-RU" smtClean="0"/>
-              <a:t>24.07.2020</a:t>
+              <a:t>19.08.2020</a:t>
             </a:fld>
             <a:endParaRPr lang="ru-RU"/>
           </a:p>
@@ -2216,10 +2209,9 @@
           <a:lstStyle/>
           <a:p>
             <a:r>
-              <a:rPr lang="ru-RU" smtClean="0"/>
+              <a:rPr lang="ru-RU"/>
               <a:t>Образец заголовка</a:t>
             </a:r>
-            <a:endParaRPr lang="ru-RU"/>
           </a:p>
         </p:txBody>
       </p:sp>
@@ -2245,38 +2237,37 @@
           <a:p>
             <a:pPr lvl="0"/>
             <a:r>
-              <a:rPr lang="ru-RU" smtClean="0"/>
+              <a:rPr lang="ru-RU"/>
               <a:t>Образец текста</a:t>
             </a:r>
           </a:p>
           <a:p>
             <a:pPr lvl="1"/>
             <a:r>
-              <a:rPr lang="ru-RU" smtClean="0"/>
+              <a:rPr lang="ru-RU"/>
               <a:t>Второй уровень</a:t>
             </a:r>
           </a:p>
           <a:p>
             <a:pPr lvl="2"/>
             <a:r>
-              <a:rPr lang="ru-RU" smtClean="0"/>
+              <a:rPr lang="ru-RU"/>
               <a:t>Третий уровень</a:t>
             </a:r>
           </a:p>
           <a:p>
             <a:pPr lvl="3"/>
             <a:r>
-              <a:rPr lang="ru-RU" smtClean="0"/>
+              <a:rPr lang="ru-RU"/>
               <a:t>Четвертый уровень</a:t>
             </a:r>
           </a:p>
           <a:p>
             <a:pPr lvl="4"/>
             <a:r>
-              <a:rPr lang="ru-RU" smtClean="0"/>
+              <a:rPr lang="ru-RU"/>
               <a:t>Пятый уровень</a:t>
             </a:r>
-            <a:endParaRPr lang="ru-RU"/>
           </a:p>
         </p:txBody>
       </p:sp>
@@ -2302,38 +2293,37 @@
           <a:p>
             <a:pPr lvl="0"/>
             <a:r>
-              <a:rPr lang="ru-RU" smtClean="0"/>
+              <a:rPr lang="ru-RU"/>
               <a:t>Образец текста</a:t>
             </a:r>
           </a:p>
           <a:p>
             <a:pPr lvl="1"/>
             <a:r>
-              <a:rPr lang="ru-RU" smtClean="0"/>
+              <a:rPr lang="ru-RU"/>
               <a:t>Второй уровень</a:t>
             </a:r>
           </a:p>
           <a:p>
             <a:pPr lvl="2"/>
             <a:r>
-              <a:rPr lang="ru-RU" smtClean="0"/>
+              <a:rPr lang="ru-RU"/>
               <a:t>Третий уровень</a:t>
             </a:r>
           </a:p>
           <a:p>
             <a:pPr lvl="3"/>
             <a:r>
-              <a:rPr lang="ru-RU" smtClean="0"/>
+              <a:rPr lang="ru-RU"/>
               <a:t>Четвертый уровень</a:t>
             </a:r>
           </a:p>
           <a:p>
             <a:pPr lvl="4"/>
             <a:r>
-              <a:rPr lang="ru-RU" smtClean="0"/>
+              <a:rPr lang="ru-RU"/>
               <a:t>Пятый уровень</a:t>
             </a:r>
-            <a:endParaRPr lang="ru-RU"/>
           </a:p>
         </p:txBody>
       </p:sp>
@@ -2354,7 +2344,7 @@
           <a:p>
             <a:fld id="{CA537D03-DFB1-4394-A06E-BA93329ABC9F}" type="datetimeFigureOut">
               <a:rPr lang="ru-RU" smtClean="0"/>
-              <a:t>24.07.2020</a:t>
+              <a:t>19.08.2020</a:t>
             </a:fld>
             <a:endParaRPr lang="ru-RU"/>
           </a:p>
@@ -2453,10 +2443,9 @@
           <a:lstStyle/>
           <a:p>
             <a:r>
-              <a:rPr lang="ru-RU" smtClean="0"/>
+              <a:rPr lang="ru-RU"/>
               <a:t>Образец заголовка</a:t>
             </a:r>
-            <a:endParaRPr lang="ru-RU"/>
           </a:p>
         </p:txBody>
       </p:sp>
@@ -2519,7 +2508,7 @@
           <a:p>
             <a:pPr lvl="0"/>
             <a:r>
-              <a:rPr lang="ru-RU" smtClean="0"/>
+              <a:rPr lang="ru-RU"/>
               <a:t>Образец текста</a:t>
             </a:r>
           </a:p>
@@ -2547,38 +2536,37 @@
           <a:p>
             <a:pPr lvl="0"/>
             <a:r>
-              <a:rPr lang="ru-RU" smtClean="0"/>
+              <a:rPr lang="ru-RU"/>
               <a:t>Образец текста</a:t>
             </a:r>
           </a:p>
           <a:p>
             <a:pPr lvl="1"/>
             <a:r>
-              <a:rPr lang="ru-RU" smtClean="0"/>
+              <a:rPr lang="ru-RU"/>
               <a:t>Второй уровень</a:t>
             </a:r>
           </a:p>
           <a:p>
             <a:pPr lvl="2"/>
             <a:r>
-              <a:rPr lang="ru-RU" smtClean="0"/>
+              <a:rPr lang="ru-RU"/>
               <a:t>Третий уровень</a:t>
             </a:r>
           </a:p>
           <a:p>
             <a:pPr lvl="3"/>
             <a:r>
-              <a:rPr lang="ru-RU" smtClean="0"/>
+              <a:rPr lang="ru-RU"/>
               <a:t>Четвертый уровень</a:t>
             </a:r>
           </a:p>
           <a:p>
             <a:pPr lvl="4"/>
             <a:r>
-              <a:rPr lang="ru-RU" smtClean="0"/>
+              <a:rPr lang="ru-RU"/>
               <a:t>Пятый уровень</a:t>
             </a:r>
-            <a:endParaRPr lang="ru-RU"/>
           </a:p>
         </p:txBody>
       </p:sp>
@@ -2641,7 +2629,7 @@
           <a:p>
             <a:pPr lvl="0"/>
             <a:r>
-              <a:rPr lang="ru-RU" smtClean="0"/>
+              <a:rPr lang="ru-RU"/>
               <a:t>Образец текста</a:t>
             </a:r>
           </a:p>
@@ -2669,38 +2657,37 @@
           <a:p>
             <a:pPr lvl="0"/>
             <a:r>
-              <a:rPr lang="ru-RU" smtClean="0"/>
+              <a:rPr lang="ru-RU"/>
               <a:t>Образец текста</a:t>
             </a:r>
           </a:p>
           <a:p>
             <a:pPr lvl="1"/>
             <a:r>
-              <a:rPr lang="ru-RU" smtClean="0"/>
+              <a:rPr lang="ru-RU"/>
               <a:t>Второй уровень</a:t>
             </a:r>
           </a:p>
           <a:p>
             <a:pPr lvl="2"/>
             <a:r>
-              <a:rPr lang="ru-RU" smtClean="0"/>
+              <a:rPr lang="ru-RU"/>
               <a:t>Третий уровень</a:t>
             </a:r>
           </a:p>
           <a:p>
             <a:pPr lvl="3"/>
             <a:r>
-              <a:rPr lang="ru-RU" smtClean="0"/>
+              <a:rPr lang="ru-RU"/>
               <a:t>Четвертый уровень</a:t>
             </a:r>
           </a:p>
           <a:p>
             <a:pPr lvl="4"/>
             <a:r>
-              <a:rPr lang="ru-RU" smtClean="0"/>
+              <a:rPr lang="ru-RU"/>
               <a:t>Пятый уровень</a:t>
             </a:r>
-            <a:endParaRPr lang="ru-RU"/>
           </a:p>
         </p:txBody>
       </p:sp>
@@ -2721,7 +2708,7 @@
           <a:p>
             <a:fld id="{CA537D03-DFB1-4394-A06E-BA93329ABC9F}" type="datetimeFigureOut">
               <a:rPr lang="ru-RU" smtClean="0"/>
-              <a:t>24.07.2020</a:t>
+              <a:t>19.08.2020</a:t>
             </a:fld>
             <a:endParaRPr lang="ru-RU"/>
           </a:p>
@@ -2815,10 +2802,9 @@
           <a:lstStyle/>
           <a:p>
             <a:r>
-              <a:rPr lang="ru-RU" smtClean="0"/>
+              <a:rPr lang="ru-RU"/>
               <a:t>Образец заголовка</a:t>
             </a:r>
-            <a:endParaRPr lang="ru-RU"/>
           </a:p>
         </p:txBody>
       </p:sp>
@@ -2839,7 +2825,7 @@
           <a:p>
             <a:fld id="{CA537D03-DFB1-4394-A06E-BA93329ABC9F}" type="datetimeFigureOut">
               <a:rPr lang="ru-RU" smtClean="0"/>
-              <a:t>24.07.2020</a:t>
+              <a:t>19.08.2020</a:t>
             </a:fld>
             <a:endParaRPr lang="ru-RU"/>
           </a:p>
@@ -2934,7 +2920,7 @@
           <a:p>
             <a:fld id="{CA537D03-DFB1-4394-A06E-BA93329ABC9F}" type="datetimeFigureOut">
               <a:rPr lang="ru-RU" smtClean="0"/>
-              <a:t>24.07.2020</a:t>
+              <a:t>19.08.2020</a:t>
             </a:fld>
             <a:endParaRPr lang="ru-RU"/>
           </a:p>
@@ -3037,10 +3023,9 @@
           </a:lstStyle>
           <a:p>
             <a:r>
-              <a:rPr lang="ru-RU" smtClean="0"/>
+              <a:rPr lang="ru-RU"/>
               <a:t>Образец заголовка</a:t>
             </a:r>
-            <a:endParaRPr lang="ru-RU"/>
           </a:p>
         </p:txBody>
       </p:sp>
@@ -3094,38 +3079,37 @@
           <a:p>
             <a:pPr lvl="0"/>
             <a:r>
-              <a:rPr lang="ru-RU" smtClean="0"/>
+              <a:rPr lang="ru-RU"/>
               <a:t>Образец текста</a:t>
             </a:r>
           </a:p>
           <a:p>
             <a:pPr lvl="1"/>
             <a:r>
-              <a:rPr lang="ru-RU" smtClean="0"/>
+              <a:rPr lang="ru-RU"/>
               <a:t>Второй уровень</a:t>
             </a:r>
           </a:p>
           <a:p>
             <a:pPr lvl="2"/>
             <a:r>
-              <a:rPr lang="ru-RU" smtClean="0"/>
+              <a:rPr lang="ru-RU"/>
               <a:t>Третий уровень</a:t>
             </a:r>
           </a:p>
           <a:p>
             <a:pPr lvl="3"/>
             <a:r>
-              <a:rPr lang="ru-RU" smtClean="0"/>
+              <a:rPr lang="ru-RU"/>
               <a:t>Четвертый уровень</a:t>
             </a:r>
           </a:p>
           <a:p>
             <a:pPr lvl="4"/>
             <a:r>
-              <a:rPr lang="ru-RU" smtClean="0"/>
+              <a:rPr lang="ru-RU"/>
               <a:t>Пятый уровень</a:t>
             </a:r>
-            <a:endParaRPr lang="ru-RU"/>
           </a:p>
         </p:txBody>
       </p:sp>
@@ -3188,7 +3172,7 @@
           <a:p>
             <a:pPr lvl="0"/>
             <a:r>
-              <a:rPr lang="ru-RU" smtClean="0"/>
+              <a:rPr lang="ru-RU"/>
               <a:t>Образец текста</a:t>
             </a:r>
           </a:p>
@@ -3211,7 +3195,7 @@
           <a:p>
             <a:fld id="{CA537D03-DFB1-4394-A06E-BA93329ABC9F}" type="datetimeFigureOut">
               <a:rPr lang="ru-RU" smtClean="0"/>
-              <a:t>24.07.2020</a:t>
+              <a:t>19.08.2020</a:t>
             </a:fld>
             <a:endParaRPr lang="ru-RU"/>
           </a:p>
@@ -3314,10 +3298,9 @@
           </a:lstStyle>
           <a:p>
             <a:r>
-              <a:rPr lang="ru-RU" smtClean="0"/>
+              <a:rPr lang="ru-RU"/>
               <a:t>Образец заголовка</a:t>
             </a:r>
-            <a:endParaRPr lang="ru-RU"/>
           </a:p>
         </p:txBody>
       </p:sp>
@@ -3441,7 +3424,7 @@
           <a:p>
             <a:pPr lvl="0"/>
             <a:r>
-              <a:rPr lang="ru-RU" smtClean="0"/>
+              <a:rPr lang="ru-RU"/>
               <a:t>Образец текста</a:t>
             </a:r>
           </a:p>
@@ -3464,7 +3447,7 @@
           <a:p>
             <a:fld id="{CA537D03-DFB1-4394-A06E-BA93329ABC9F}" type="datetimeFigureOut">
               <a:rPr lang="ru-RU" smtClean="0"/>
-              <a:t>24.07.2020</a:t>
+              <a:t>19.08.2020</a:t>
             </a:fld>
             <a:endParaRPr lang="ru-RU"/>
           </a:p>
@@ -3573,10 +3556,9 @@
           <a:lstStyle/>
           <a:p>
             <a:r>
-              <a:rPr lang="ru-RU" smtClean="0"/>
+              <a:rPr lang="ru-RU"/>
               <a:t>Образец заголовка</a:t>
             </a:r>
-            <a:endParaRPr lang="ru-RU"/>
           </a:p>
         </p:txBody>
       </p:sp>
@@ -3607,38 +3589,37 @@
           <a:p>
             <a:pPr lvl="0"/>
             <a:r>
-              <a:rPr lang="ru-RU" smtClean="0"/>
+              <a:rPr lang="ru-RU"/>
               <a:t>Образец текста</a:t>
             </a:r>
           </a:p>
           <a:p>
             <a:pPr lvl="1"/>
             <a:r>
-              <a:rPr lang="ru-RU" smtClean="0"/>
+              <a:rPr lang="ru-RU"/>
               <a:t>Второй уровень</a:t>
             </a:r>
           </a:p>
           <a:p>
             <a:pPr lvl="2"/>
             <a:r>
-              <a:rPr lang="ru-RU" smtClean="0"/>
+              <a:rPr lang="ru-RU"/>
               <a:t>Третий уровень</a:t>
             </a:r>
           </a:p>
           <a:p>
             <a:pPr lvl="3"/>
             <a:r>
-              <a:rPr lang="ru-RU" smtClean="0"/>
+              <a:rPr lang="ru-RU"/>
               <a:t>Четвертый уровень</a:t>
             </a:r>
           </a:p>
           <a:p>
             <a:pPr lvl="4"/>
             <a:r>
-              <a:rPr lang="ru-RU" smtClean="0"/>
+              <a:rPr lang="ru-RU"/>
               <a:t>Пятый уровень</a:t>
             </a:r>
-            <a:endParaRPr lang="ru-RU"/>
           </a:p>
         </p:txBody>
       </p:sp>
@@ -3677,7 +3658,7 @@
           <a:p>
             <a:fld id="{CA537D03-DFB1-4394-A06E-BA93329ABC9F}" type="datetimeFigureOut">
               <a:rPr lang="ru-RU" smtClean="0"/>
-              <a:t>24.07.2020</a:t>
+              <a:t>19.08.2020</a:t>
             </a:fld>
             <a:endParaRPr lang="ru-RU"/>
           </a:p>
@@ -4089,7 +4070,7 @@
           <p:cNvPr id="15" name="Picture Placeholder 14" descr="A wheel of a bicycle&#10;&#10;Description automatically generated">
             <a:extLst>
               <a:ext uri="{FF2B5EF4-FFF2-40B4-BE49-F238E27FC236}">
-                <a16:creationId xmlns:a16="http://schemas.microsoft.com/office/drawing/2014/main" xmlns="" id="{034EB1F5-8683-40E9-ACDB-0115F36F8143}"/>
+                <a16:creationId xmlns:a16="http://schemas.microsoft.com/office/drawing/2014/main" id="{034EB1F5-8683-40E9-ACDB-0115F36F8143}"/>
               </a:ext>
             </a:extLst>
           </p:cNvPr>
@@ -4123,7 +4104,7 @@
           <p:cNvPr id="5" name="Rectangle 4">
             <a:extLst>
               <a:ext uri="{FF2B5EF4-FFF2-40B4-BE49-F238E27FC236}">
-                <a16:creationId xmlns:a16="http://schemas.microsoft.com/office/drawing/2014/main" xmlns="" id="{A8885239-2790-4D1F-B045-3FA3F05A8B11}"/>
+                <a16:creationId xmlns:a16="http://schemas.microsoft.com/office/drawing/2014/main" id="{A8885239-2790-4D1F-B045-3FA3F05A8B11}"/>
               </a:ext>
             </a:extLst>
           </p:cNvPr>
@@ -4214,7 +4195,7 @@
           <p:cNvPr id="4" name="Subtitle 3">
             <a:extLst>
               <a:ext uri="{FF2B5EF4-FFF2-40B4-BE49-F238E27FC236}">
-                <a16:creationId xmlns:a16="http://schemas.microsoft.com/office/drawing/2014/main" xmlns="" id="{2FF3DBBC-3584-4B63-9A3A-E43C1AA12869}"/>
+                <a16:creationId xmlns:a16="http://schemas.microsoft.com/office/drawing/2014/main" id="{2FF3DBBC-3584-4B63-9A3A-E43C1AA12869}"/>
               </a:ext>
             </a:extLst>
           </p:cNvPr>
@@ -4235,28 +4216,7 @@
                 <a:latin typeface="Times New Roman" panose="02020603050405020304" pitchFamily="18" charset="0"/>
                 <a:cs typeface="Times New Roman" panose="02020603050405020304" pitchFamily="18" charset="0"/>
               </a:rPr>
-              <a:t>Отчетная </a:t>
-            </a:r>
-            <a:r>
-              <a:rPr lang="ru-RU" sz="2000" dirty="0" smtClean="0">
-                <a:latin typeface="Times New Roman" panose="02020603050405020304" pitchFamily="18" charset="0"/>
-                <a:cs typeface="Times New Roman" panose="02020603050405020304" pitchFamily="18" charset="0"/>
-              </a:rPr>
-              <a:t>презентация </a:t>
-            </a:r>
-            <a:r>
-              <a:rPr lang="ru-RU" sz="2000" dirty="0">
-                <a:latin typeface="Times New Roman" panose="02020603050405020304" pitchFamily="18" charset="0"/>
-                <a:cs typeface="Times New Roman" panose="02020603050405020304" pitchFamily="18" charset="0"/>
-              </a:rPr>
-              <a:t>я</a:t>
-            </a:r>
-            <a:r>
-              <a:rPr lang="ru-RU" sz="2000" dirty="0" smtClean="0">
-                <a:latin typeface="Times New Roman" panose="02020603050405020304" pitchFamily="18" charset="0"/>
-                <a:cs typeface="Times New Roman" panose="02020603050405020304" pitchFamily="18" charset="0"/>
-              </a:rPr>
-              <a:t>нварь (2020)</a:t>
+              <a:t>Отчетная презентация январь (2020)</a:t>
             </a:r>
             <a:endParaRPr lang="en-GB" dirty="0"/>
           </a:p>
@@ -4267,7 +4227,7 @@
           <p:cNvPr id="3" name="Title 2">
             <a:extLst>
               <a:ext uri="{FF2B5EF4-FFF2-40B4-BE49-F238E27FC236}">
-                <a16:creationId xmlns:a16="http://schemas.microsoft.com/office/drawing/2014/main" xmlns="" id="{2A1A586D-A8AC-41BD-9C3D-32DB9A5B151D}"/>
+                <a16:creationId xmlns:a16="http://schemas.microsoft.com/office/drawing/2014/main" id="{2A1A586D-A8AC-41BD-9C3D-32DB9A5B151D}"/>
               </a:ext>
             </a:extLst>
           </p:cNvPr>
@@ -4294,32 +4254,10 @@
                 <a:ea typeface="Arial Unicode MS" panose="020B0604020202020204" pitchFamily="34" charset="-128"/>
                 <a:cs typeface="Times New Roman" panose="02020603050405020304" pitchFamily="18" charset="0"/>
               </a:rPr>
-              <a:t>Транспортный </a:t>
-            </a:r>
-            <a:r>
-              <a:rPr lang="ru-RU" altLang="ru-RU" sz="3600" dirty="0" smtClean="0">
-                <a:solidFill>
-                  <a:srgbClr val="FFFFFF"/>
-                </a:solidFill>
-                <a:latin typeface="Times New Roman" panose="02020603050405020304" pitchFamily="18" charset="0"/>
-                <a:ea typeface="Arial Unicode MS" panose="020B0604020202020204" pitchFamily="34" charset="-128"/>
-                <a:cs typeface="Times New Roman" panose="02020603050405020304" pitchFamily="18" charset="0"/>
-              </a:rPr>
-              <a:t>департамент</a:t>
-            </a:r>
-            <a:r>
-              <a:rPr lang="en-US" altLang="ru-RU" sz="3600" dirty="0" smtClean="0">
-                <a:solidFill>
-                  <a:srgbClr val="FFFFFF"/>
-                </a:solidFill>
-                <a:latin typeface="Times New Roman" panose="02020603050405020304" pitchFamily="18" charset="0"/>
-                <a:ea typeface="Arial Unicode MS" panose="020B0604020202020204" pitchFamily="34" charset="-128"/>
-                <a:cs typeface="Times New Roman" panose="02020603050405020304" pitchFamily="18" charset="0"/>
-              </a:rPr>
-              <a:t/>
+              <a:t>Транспортный департамент</a:t>
             </a:r>
             <a:br>
-              <a:rPr lang="en-US" altLang="ru-RU" sz="3600" dirty="0" smtClean="0">
+              <a:rPr lang="en-US" altLang="ru-RU" sz="3600" dirty="0">
                 <a:solidFill>
                   <a:srgbClr val="FFFFFF"/>
                 </a:solidFill>
@@ -4349,17 +4287,6 @@
                 <a:cs typeface="Times New Roman" panose="02020603050405020304" pitchFamily="18" charset="0"/>
               </a:rPr>
               <a:t>"</a:t>
-            </a:r>
-            <a:r>
-              <a:rPr lang="en-US" altLang="ru-RU" sz="2400" dirty="0">
-                <a:solidFill>
-                  <a:srgbClr val="FFFFFF"/>
-                </a:solidFill>
-                <a:latin typeface="Times New Roman" panose="02020603050405020304" pitchFamily="18" charset="0"/>
-                <a:ea typeface="Arial Unicode MS" panose="020B0604020202020204" pitchFamily="34" charset="-128"/>
-                <a:cs typeface="Times New Roman" panose="02020603050405020304" pitchFamily="18" charset="0"/>
-              </a:rPr>
-              <a:t/>
             </a:r>
             <a:br>
               <a:rPr lang="en-US" altLang="ru-RU" sz="2400" dirty="0">
@@ -4371,17 +4298,6 @@
                 <a:cs typeface="Times New Roman" panose="02020603050405020304" pitchFamily="18" charset="0"/>
               </a:rPr>
             </a:br>
-            <a:r>
-              <a:rPr lang="en-US" altLang="ru-RU" dirty="0">
-                <a:solidFill>
-                  <a:srgbClr val="FFFFFF"/>
-                </a:solidFill>
-                <a:latin typeface="Times New Roman" panose="02020603050405020304" pitchFamily="18" charset="0"/>
-                <a:ea typeface="Arial Unicode MS" panose="020B0604020202020204" pitchFamily="34" charset="-128"/>
-                <a:cs typeface="Times New Roman" panose="02020603050405020304" pitchFamily="18" charset="0"/>
-              </a:rPr>
-              <a:t/>
-            </a:r>
             <a:br>
               <a:rPr lang="en-US" altLang="ru-RU" dirty="0">
                 <a:solidFill>
@@ -4406,13 +4322,6 @@
   <p:clrMapOvr>
     <a:masterClrMapping/>
   </p:clrMapOvr>
-  <p:timing>
-    <p:tnLst>
-      <p:par>
-        <p:cTn id="1" dur="indefinite" restart="never" nodeType="tmRoot"/>
-      </p:par>
-    </p:tnLst>
-  </p:timing>
 </p:sld>
 </file>
 
@@ -4462,10 +4371,6 @@
               </a:rPr>
               <a:t>Система "Номерного учета прибывших вагонов на АМКР"</a:t>
             </a:r>
-            <a:endParaRPr lang="ru-RU" b="1" dirty="0">
-              <a:latin typeface="Times New Roman" panose="02020603050405020304" pitchFamily="18" charset="0"/>
-              <a:cs typeface="Times New Roman" panose="02020603050405020304" pitchFamily="18" charset="0"/>
-            </a:endParaRPr>
           </a:p>
         </p:txBody>
       </p:sp>
@@ -4482,7 +4387,7 @@
         <p:spPr>
           <a:xfrm>
             <a:off x="839788" y="457200"/>
-            <a:ext cx="3932237" cy="530225"/>
+            <a:ext cx="10230666" cy="530225"/>
           </a:xfrm>
         </p:spPr>
         <p:txBody>
@@ -4492,18 +4397,13 @@
           <a:lstStyle/>
           <a:p>
             <a:r>
-              <a:rPr lang="ru-RU" b="1" i="1" dirty="0" smtClean="0">
+              <a:rPr lang="ru-RU" b="1" i="1" dirty="0">
                 <a:solidFill>
                   <a:schemeClr val="accent5"/>
                 </a:solidFill>
               </a:rPr>
               <a:t>Архив ЭПД УЗ</a:t>
             </a:r>
-            <a:endParaRPr lang="ru-RU" b="1" i="1" dirty="0">
-              <a:solidFill>
-                <a:schemeClr val="accent5"/>
-              </a:solidFill>
-            </a:endParaRPr>
           </a:p>
         </p:txBody>
       </p:sp>
@@ -4527,57 +4427,40 @@
           <a:bodyPr/>
           <a:lstStyle/>
           <a:p>
-            <a:r>
-              <a:rPr lang="ru-RU" i="1" dirty="0" smtClean="0">
-                <a:solidFill>
-                  <a:schemeClr val="accent5"/>
-                </a:solidFill>
-              </a:rPr>
-              <a:t>Автоматический сбор (</a:t>
-            </a:r>
             <a:r>
               <a:rPr lang="ru-RU" i="1" dirty="0">
                 <a:solidFill>
                   <a:schemeClr val="accent5"/>
                 </a:solidFill>
               </a:rPr>
-              <a:t>через модуль согласования УЗ</a:t>
-            </a:r>
-            <a:r>
-              <a:rPr lang="ru-RU" i="1" dirty="0" smtClean="0">
-                <a:solidFill>
-                  <a:schemeClr val="accent5"/>
-                </a:solidFill>
-              </a:rPr>
-              <a:t>) хранение и обновление в базе данных электронно-перевозочных документов на вагоны магистрального парка с грузами АМКР (входящие и исходящие грузы).</a:t>
-            </a:r>
-          </a:p>
-          <a:p>
-            <a:r>
-              <a:rPr lang="ru-RU" sz="1400" dirty="0" smtClean="0"/>
+              <a:t>Автоматический сбор (через модуль согласования УЗ) хранение и обновление в базе данных электронно-перевозочных документов на вагоны магистрального парка с грузами АМКР (входящие и исходящие грузы).</a:t>
+            </a:r>
+          </a:p>
+          <a:p>
+            <a:r>
+              <a:rPr lang="ru-RU" sz="1400" dirty="0"/>
               <a:t>1. Долговременное хранение исходных перевозочных документов УЗ на серверах баз данных АМКР.</a:t>
             </a:r>
           </a:p>
           <a:p>
             <a:r>
-              <a:rPr lang="ru-RU" sz="1400" dirty="0" smtClean="0"/>
+              <a:rPr lang="ru-RU" sz="1400" dirty="0"/>
               <a:t>2. Быстрый поиск документа по номеру вагона в базе данных.</a:t>
             </a:r>
           </a:p>
           <a:p>
             <a:r>
-              <a:rPr lang="ru-RU" sz="1400" dirty="0" smtClean="0"/>
+              <a:rPr lang="ru-RU" sz="1400" dirty="0"/>
               <a:t>3. Параллельный доступ сервисов к систематизированным исходным данным </a:t>
             </a:r>
             <a:r>
-              <a:rPr lang="ru-RU" sz="1400" dirty="0" err="1" smtClean="0"/>
+              <a:rPr lang="ru-RU" sz="1400" dirty="0" err="1"/>
               <a:t>электронно</a:t>
             </a:r>
             <a:r>
-              <a:rPr lang="ru-RU" sz="1400" dirty="0" smtClean="0"/>
+              <a:rPr lang="ru-RU" sz="1400" dirty="0"/>
               <a:t>–перевозочным документам УЗ минуя модуль согласования. (уменьшает нагрузку на модуль согласования, большая скорость получения информации).</a:t>
             </a:r>
-            <a:endParaRPr lang="ru-RU" sz="1400" dirty="0"/>
           </a:p>
         </p:txBody>
       </p:sp>
@@ -4617,21 +4500,6 @@
   <p:clrMapOvr>
     <a:masterClrMapping/>
   </p:clrMapOvr>
-  <mc:AlternateContent xmlns:mc="http://schemas.openxmlformats.org/markup-compatibility/2006">
-    <mc:Choice xmlns:p14="http://schemas.microsoft.com/office/powerpoint/2010/main" Requires="p14">
-      <p:transition spd="slow" p14:dur="2000"/>
-    </mc:Choice>
-    <mc:Fallback>
-      <p:transition spd="slow"/>
-    </mc:Fallback>
-  </mc:AlternateContent>
-  <p:timing>
-    <p:tnLst>
-      <p:par>
-        <p:cTn id="1" dur="indefinite" restart="never" nodeType="tmRoot"/>
-      </p:par>
-    </p:tnLst>
-  </p:timing>
 </p:sld>
 </file>
 
@@ -4681,10 +4549,6 @@
               </a:rPr>
               <a:t>Система "Номерного учета прибывших вагонов на АМКР"</a:t>
             </a:r>
-            <a:endParaRPr lang="ru-RU" b="1" dirty="0">
-              <a:latin typeface="Times New Roman" panose="02020603050405020304" pitchFamily="18" charset="0"/>
-              <a:cs typeface="Times New Roman" panose="02020603050405020304" pitchFamily="18" charset="0"/>
-            </a:endParaRPr>
           </a:p>
         </p:txBody>
       </p:sp>
@@ -4701,7 +4565,7 @@
         <p:spPr>
           <a:xfrm>
             <a:off x="839788" y="457200"/>
-            <a:ext cx="3932237" cy="530225"/>
+            <a:ext cx="9280756" cy="530225"/>
           </a:xfrm>
         </p:spPr>
         <p:txBody>
@@ -4711,18 +4575,13 @@
           <a:lstStyle/>
           <a:p>
             <a:r>
-              <a:rPr lang="ru-RU" b="1" i="1" dirty="0" smtClean="0">
+              <a:rPr lang="ru-RU" b="1" i="1" dirty="0">
                 <a:solidFill>
                   <a:schemeClr val="accent5"/>
                 </a:solidFill>
               </a:rPr>
-              <a:t>Архив ЭПД УЗ</a:t>
-            </a:r>
-            <a:endParaRPr lang="ru-RU" b="1" i="1" dirty="0">
-              <a:solidFill>
-                <a:schemeClr val="accent5"/>
-              </a:solidFill>
-            </a:endParaRPr>
+              <a:t>Автоматический контроль составов на станциях УЗ КР</a:t>
+            </a:r>
           </a:p>
         </p:txBody>
       </p:sp>
@@ -4746,57 +4605,32 @@
           <a:bodyPr/>
           <a:lstStyle/>
           <a:p>
-            <a:r>
-              <a:rPr lang="ru-RU" i="1" dirty="0" smtClean="0">
-                <a:solidFill>
-                  <a:schemeClr val="accent5"/>
-                </a:solidFill>
-              </a:rPr>
-              <a:t>Автоматический сбор (</a:t>
-            </a:r>
             <a:r>
               <a:rPr lang="ru-RU" i="1" dirty="0">
                 <a:solidFill>
                   <a:schemeClr val="accent5"/>
                 </a:solidFill>
               </a:rPr>
-              <a:t>через модуль согласования УЗ</a:t>
-            </a:r>
-            <a:r>
-              <a:rPr lang="ru-RU" i="1" dirty="0" smtClean="0">
-                <a:solidFill>
-                  <a:schemeClr val="accent5"/>
-                </a:solidFill>
-              </a:rPr>
-              <a:t>) хранение и обновление в базе данных электронно-перевозочных документов на вагоны магистрального парка с грузами АМКР (входящие и исходящие грузы).</a:t>
-            </a:r>
-          </a:p>
-          <a:p>
-            <a:r>
-              <a:rPr lang="ru-RU" sz="1400" dirty="0" smtClean="0"/>
-              <a:t>1. Долговременное хранение исходных перевозочных документов УЗ на серверах баз данных АМКР.</a:t>
-            </a:r>
-          </a:p>
-          <a:p>
-            <a:r>
-              <a:rPr lang="ru-RU" sz="1400" dirty="0" smtClean="0"/>
-              <a:t>2. Быстрый поиск документа по номеру вагона в базе данных.</a:t>
-            </a:r>
-          </a:p>
-          <a:p>
-            <a:r>
-              <a:rPr lang="ru-RU" sz="1400" dirty="0" smtClean="0"/>
-              <a:t>3. Параллельный доступ сервисов к систематизированным исходным данным </a:t>
-            </a:r>
-            <a:r>
-              <a:rPr lang="ru-RU" sz="1400" dirty="0" err="1" smtClean="0"/>
-              <a:t>электронно</a:t>
-            </a:r>
-            <a:r>
-              <a:rPr lang="ru-RU" sz="1400" dirty="0" smtClean="0"/>
-              <a:t>–перевозочным документам УЗ минуя модуль согласования. (уменьшает нагрузку на модуль согласования, большая скорость получения информации).</a:t>
-            </a:r>
-            <a:endParaRPr lang="ru-RU" sz="1400" dirty="0"/>
+              <a:t>Автоматический сбор обработка и хранение в БД информации о составах на станциях УЗ Кривого Рога в адрес АМКР</a:t>
+            </a:r>
+          </a:p>
+          <a:p>
+            <a:r>
+              <a:rPr lang="ru-RU" sz="1400" dirty="0"/>
+              <a:t>1. Поступление информации о вагонах в адрес АМКР до их появления на подъездном пути АМКР.</a:t>
+            </a:r>
+          </a:p>
+          <a:p>
+            <a:r>
+              <a:rPr lang="ru-RU" sz="1400" dirty="0"/>
+              <a:t>2. Автоматический поиск ЭПД по номеру вагона в архиве ЭПД УЗ.</a:t>
+            </a:r>
+          </a:p>
+          <a:p>
+            <a:r>
+              <a:rPr lang="ru-RU" sz="1400" dirty="0"/>
+              <a:t>3. Номера вагонов берутся автоматически (минимизируется ручной ввод)</a:t>
+            </a:r>
           </a:p>
         </p:txBody>
       </p:sp>
@@ -4836,21 +4670,551 @@
   <p:clrMapOvr>
     <a:masterClrMapping/>
   </p:clrMapOvr>
-  <mc:AlternateContent xmlns:mc="http://schemas.openxmlformats.org/markup-compatibility/2006">
-    <mc:Choice xmlns:p14="http://schemas.microsoft.com/office/powerpoint/2010/main" Requires="p14">
-      <p:transition spd="slow" p14:dur="2000"/>
-    </mc:Choice>
-    <mc:Fallback>
-      <p:transition spd="slow"/>
-    </mc:Fallback>
-  </mc:AlternateContent>
-  <p:timing>
-    <p:tnLst>
-      <p:par>
-        <p:cTn id="1" dur="indefinite" restart="never" nodeType="tmRoot"/>
-      </p:par>
-    </p:tnLst>
-  </p:timing>
+</p:sld>
+</file>
+
+<file path=ppt/slides/slide4.xml><?xml version="1.0" encoding="utf-8"?>
+<p:sld xmlns:a="http://schemas.openxmlformats.org/drawingml/2006/main" xmlns:r="http://schemas.openxmlformats.org/officeDocument/2006/relationships" xmlns:p="http://schemas.openxmlformats.org/presentationml/2006/main">
+  <p:cSld>
+    <p:spTree>
+      <p:nvGrpSpPr>
+        <p:cNvPr id="1" name=""/>
+        <p:cNvGrpSpPr/>
+        <p:nvPr/>
+      </p:nvGrpSpPr>
+      <p:grpSpPr>
+        <a:xfrm>
+          <a:off x="0" y="0"/>
+          <a:ext cx="0" cy="0"/>
+          <a:chOff x="0" y="0"/>
+          <a:chExt cx="0" cy="0"/>
+        </a:xfrm>
+      </p:grpSpPr>
+      <p:sp>
+        <p:nvSpPr>
+          <p:cNvPr id="2" name="Прямоугольник 1"/>
+          <p:cNvSpPr/>
+          <p:nvPr/>
+        </p:nvSpPr>
+        <p:spPr>
+          <a:xfrm>
+            <a:off x="1445410" y="0"/>
+            <a:ext cx="7423017" cy="369332"/>
+          </a:xfrm>
+          <a:prstGeom prst="rect">
+            <a:avLst/>
+          </a:prstGeom>
+        </p:spPr>
+        <p:txBody>
+          <a:bodyPr wrap="square">
+            <a:spAutoFit/>
+          </a:bodyPr>
+          <a:lstStyle/>
+          <a:p>
+            <a:pPr algn="ctr"/>
+            <a:r>
+              <a:rPr lang="ru-RU" b="1" dirty="0">
+                <a:latin typeface="Times New Roman" panose="02020603050405020304" pitchFamily="18" charset="0"/>
+                <a:cs typeface="Times New Roman" panose="02020603050405020304" pitchFamily="18" charset="0"/>
+              </a:rPr>
+              <a:t>Система "Номерного учета прибывших вагонов на АМКР"</a:t>
+            </a:r>
+          </a:p>
+        </p:txBody>
+      </p:sp>
+      <p:sp>
+        <p:nvSpPr>
+          <p:cNvPr id="3" name="Заголовок 2"/>
+          <p:cNvSpPr>
+            <a:spLocks noGrp="1"/>
+          </p:cNvSpPr>
+          <p:nvPr>
+            <p:ph type="title"/>
+          </p:nvPr>
+        </p:nvSpPr>
+        <p:spPr>
+          <a:xfrm>
+            <a:off x="839788" y="457200"/>
+            <a:ext cx="9280756" cy="530225"/>
+          </a:xfrm>
+        </p:spPr>
+        <p:txBody>
+          <a:bodyPr>
+            <a:normAutofit fontScale="90000"/>
+          </a:bodyPr>
+          <a:lstStyle/>
+          <a:p>
+            <a:r>
+              <a:rPr lang="ru-RU" b="1" i="1" dirty="0">
+                <a:solidFill>
+                  <a:schemeClr val="accent5"/>
+                </a:solidFill>
+              </a:rPr>
+              <a:t>Автоматическая по вагонная расшифровка ЭПД </a:t>
+            </a:r>
+          </a:p>
+        </p:txBody>
+      </p:sp>
+      <p:sp>
+        <p:nvSpPr>
+          <p:cNvPr id="6" name="Текст 5"/>
+          <p:cNvSpPr>
+            <a:spLocks noGrp="1"/>
+          </p:cNvSpPr>
+          <p:nvPr>
+            <p:ph type="body" sz="half" idx="2"/>
+          </p:nvPr>
+        </p:nvSpPr>
+        <p:spPr>
+          <a:xfrm>
+            <a:off x="839788" y="987425"/>
+            <a:ext cx="3932237" cy="4881563"/>
+          </a:xfrm>
+        </p:spPr>
+        <p:txBody>
+          <a:bodyPr/>
+          <a:lstStyle/>
+          <a:p>
+            <a:r>
+              <a:rPr lang="ru-RU" i="1" dirty="0">
+                <a:solidFill>
+                  <a:schemeClr val="accent5"/>
+                </a:solidFill>
+              </a:rPr>
+              <a:t>При выборе вагона происходит автоматический поиск нужного ЭПД, расшифровка информации и формирование справочников ИДС.</a:t>
+            </a:r>
+          </a:p>
+          <a:p>
+            <a:r>
+              <a:rPr lang="ru-RU" sz="1400" dirty="0"/>
+              <a:t>1. При принятии вагона оператор сразу видит информацию из ЭПД о вагоне, маршруте, грузе, оплате, ему остается только проверить и подтвердить(принять вагон).</a:t>
+            </a:r>
+          </a:p>
+          <a:p>
+            <a:r>
+              <a:rPr lang="ru-RU" sz="1400" dirty="0"/>
+              <a:t> 2. По данным ЭПД происходит автоматическое формирование справочников ИДС, которые позволяют при отсутствии электронного вида ЭПД, формировать информацию в ручную из справочников.</a:t>
+            </a:r>
+          </a:p>
+          <a:p>
+            <a:r>
+              <a:rPr lang="ru-RU" sz="1400" dirty="0"/>
+              <a:t>3. Информация берутся автоматически или из справочников (минимизируется ошибочный ввод ввод)</a:t>
+            </a:r>
+          </a:p>
+        </p:txBody>
+      </p:sp>
+      <p:pic>
+        <p:nvPicPr>
+          <p:cNvPr id="11" name="Объект 10">
+            <a:extLst>
+              <a:ext uri="{FF2B5EF4-FFF2-40B4-BE49-F238E27FC236}">
+                <a16:creationId xmlns:a16="http://schemas.microsoft.com/office/drawing/2014/main" id="{2F7A0498-9035-429C-8E3B-4C5F5F4FAF2F}"/>
+              </a:ext>
+            </a:extLst>
+          </p:cNvPr>
+          <p:cNvPicPr>
+            <a:picLocks noGrp="1" noChangeAspect="1"/>
+          </p:cNvPicPr>
+          <p:nvPr>
+            <p:ph idx="1"/>
+          </p:nvPr>
+        </p:nvPicPr>
+        <p:blipFill>
+          <a:blip r:embed="rId2"/>
+          <a:stretch>
+            <a:fillRect/>
+          </a:stretch>
+        </p:blipFill>
+        <p:spPr>
+          <a:xfrm>
+            <a:off x="6296533" y="987425"/>
+            <a:ext cx="3945510" cy="4873625"/>
+          </a:xfrm>
+          <a:prstGeom prst="rect">
+            <a:avLst/>
+          </a:prstGeom>
+        </p:spPr>
+      </p:pic>
+    </p:spTree>
+    <p:extLst>
+      <p:ext uri="{BB962C8B-B14F-4D97-AF65-F5344CB8AC3E}">
+        <p14:creationId xmlns:p14="http://schemas.microsoft.com/office/powerpoint/2010/main" val="2487029845"/>
+      </p:ext>
+    </p:extLst>
+  </p:cSld>
+  <p:clrMapOvr>
+    <a:masterClrMapping/>
+  </p:clrMapOvr>
+</p:sld>
+</file>
+
+<file path=ppt/slides/slide5.xml><?xml version="1.0" encoding="utf-8"?>
+<p:sld xmlns:a="http://schemas.openxmlformats.org/drawingml/2006/main" xmlns:r="http://schemas.openxmlformats.org/officeDocument/2006/relationships" xmlns:p="http://schemas.openxmlformats.org/presentationml/2006/main">
+  <p:cSld>
+    <p:spTree>
+      <p:nvGrpSpPr>
+        <p:cNvPr id="1" name=""/>
+        <p:cNvGrpSpPr/>
+        <p:nvPr/>
+      </p:nvGrpSpPr>
+      <p:grpSpPr>
+        <a:xfrm>
+          <a:off x="0" y="0"/>
+          <a:ext cx="0" cy="0"/>
+          <a:chOff x="0" y="0"/>
+          <a:chExt cx="0" cy="0"/>
+        </a:xfrm>
+      </p:grpSpPr>
+      <p:sp>
+        <p:nvSpPr>
+          <p:cNvPr id="2" name="Прямоугольник 1"/>
+          <p:cNvSpPr/>
+          <p:nvPr/>
+        </p:nvSpPr>
+        <p:spPr>
+          <a:xfrm>
+            <a:off x="1445410" y="0"/>
+            <a:ext cx="7423017" cy="369332"/>
+          </a:xfrm>
+          <a:prstGeom prst="rect">
+            <a:avLst/>
+          </a:prstGeom>
+        </p:spPr>
+        <p:txBody>
+          <a:bodyPr wrap="square">
+            <a:spAutoFit/>
+          </a:bodyPr>
+          <a:lstStyle/>
+          <a:p>
+            <a:pPr algn="ctr"/>
+            <a:r>
+              <a:rPr lang="ru-RU" b="1" dirty="0">
+                <a:latin typeface="Times New Roman" panose="02020603050405020304" pitchFamily="18" charset="0"/>
+                <a:cs typeface="Times New Roman" panose="02020603050405020304" pitchFamily="18" charset="0"/>
+              </a:rPr>
+              <a:t>Система "Номерного учета прибывших вагонов на АМКР"</a:t>
+            </a:r>
+          </a:p>
+        </p:txBody>
+      </p:sp>
+      <p:sp>
+        <p:nvSpPr>
+          <p:cNvPr id="3" name="Заголовок 2"/>
+          <p:cNvSpPr>
+            <a:spLocks noGrp="1"/>
+          </p:cNvSpPr>
+          <p:nvPr>
+            <p:ph type="title"/>
+          </p:nvPr>
+        </p:nvSpPr>
+        <p:spPr>
+          <a:xfrm>
+            <a:off x="839788" y="457200"/>
+            <a:ext cx="9844188" cy="530225"/>
+          </a:xfrm>
+        </p:spPr>
+        <p:txBody>
+          <a:bodyPr>
+            <a:noAutofit/>
+          </a:bodyPr>
+          <a:lstStyle/>
+          <a:p>
+            <a:r>
+              <a:rPr lang="ru-RU" sz="2400" b="1" i="1" dirty="0">
+                <a:solidFill>
+                  <a:schemeClr val="accent5"/>
+                </a:solidFill>
+              </a:rPr>
+              <a:t>Автоматическое формирование и контроль справочника вагонов</a:t>
+            </a:r>
+          </a:p>
+        </p:txBody>
+      </p:sp>
+      <p:sp>
+        <p:nvSpPr>
+          <p:cNvPr id="6" name="Текст 5"/>
+          <p:cNvSpPr>
+            <a:spLocks noGrp="1"/>
+          </p:cNvSpPr>
+          <p:nvPr>
+            <p:ph type="body" sz="half" idx="2"/>
+          </p:nvPr>
+        </p:nvSpPr>
+        <p:spPr>
+          <a:xfrm>
+            <a:off x="839788" y="987425"/>
+            <a:ext cx="3932237" cy="4881563"/>
+          </a:xfrm>
+        </p:spPr>
+        <p:txBody>
+          <a:bodyPr/>
+          <a:lstStyle/>
+          <a:p>
+            <a:r>
+              <a:rPr lang="ru-RU" i="1" dirty="0">
+                <a:solidFill>
+                  <a:schemeClr val="accent5"/>
+                </a:solidFill>
+              </a:rPr>
+              <a:t>При выборе вагона происходит автоматический поиск характеристик вагона и формирование справочника вагона.</a:t>
+            </a:r>
+          </a:p>
+          <a:p>
+            <a:r>
+              <a:rPr lang="ru-RU" sz="1400" dirty="0"/>
+              <a:t>1. При формирование справочной информации о вагоне данные берутся автоматически из ЭПД на вагон и БД УЗ (</a:t>
+            </a:r>
+            <a:r>
+              <a:rPr lang="en-US" sz="1400" dirty="0"/>
+              <a:t>https://uz.gov.ua/car_info/index</a:t>
+            </a:r>
+            <a:r>
+              <a:rPr lang="ru-RU" sz="1400" dirty="0"/>
+              <a:t>)</a:t>
+            </a:r>
+          </a:p>
+          <a:p>
+            <a:r>
+              <a:rPr lang="ru-RU" sz="1400" dirty="0"/>
+              <a:t> 2. При каждом прибытии вагона на АМКР данные в справочнике обновляются автоматически.</a:t>
+            </a:r>
+          </a:p>
+          <a:p>
+            <a:r>
+              <a:rPr lang="ru-RU" sz="1400" dirty="0"/>
+              <a:t>3. При обновлении информации идет контроль полноты заполнения информации или смены оператора вагона, при выявлении несоответствия, система сделает пометку требуется вмешательство оператора.</a:t>
+            </a:r>
+          </a:p>
+        </p:txBody>
+      </p:sp>
+      <p:pic>
+        <p:nvPicPr>
+          <p:cNvPr id="7" name="Объект 6">
+            <a:extLst>
+              <a:ext uri="{FF2B5EF4-FFF2-40B4-BE49-F238E27FC236}">
+                <a16:creationId xmlns:a16="http://schemas.microsoft.com/office/drawing/2014/main" id="{7CE009C9-CA5B-496B-9952-A57154BD39FF}"/>
+              </a:ext>
+            </a:extLst>
+          </p:cNvPr>
+          <p:cNvPicPr>
+            <a:picLocks noGrp="1" noChangeAspect="1"/>
+          </p:cNvPicPr>
+          <p:nvPr>
+            <p:ph idx="1"/>
+          </p:nvPr>
+        </p:nvPicPr>
+        <p:blipFill>
+          <a:blip r:embed="rId2"/>
+          <a:stretch>
+            <a:fillRect/>
+          </a:stretch>
+        </p:blipFill>
+        <p:spPr>
+          <a:xfrm>
+            <a:off x="5854600" y="987425"/>
+            <a:ext cx="4829376" cy="4873625"/>
+          </a:xfrm>
+          <a:prstGeom prst="rect">
+            <a:avLst/>
+          </a:prstGeom>
+        </p:spPr>
+      </p:pic>
+    </p:spTree>
+    <p:extLst>
+      <p:ext uri="{BB962C8B-B14F-4D97-AF65-F5344CB8AC3E}">
+        <p14:creationId xmlns:p14="http://schemas.microsoft.com/office/powerpoint/2010/main" val="450746754"/>
+      </p:ext>
+    </p:extLst>
+  </p:cSld>
+  <p:clrMapOvr>
+    <a:masterClrMapping/>
+  </p:clrMapOvr>
+</p:sld>
+</file>
+
+<file path=ppt/slides/slide6.xml><?xml version="1.0" encoding="utf-8"?>
+<p:sld xmlns:a="http://schemas.openxmlformats.org/drawingml/2006/main" xmlns:r="http://schemas.openxmlformats.org/officeDocument/2006/relationships" xmlns:p="http://schemas.openxmlformats.org/presentationml/2006/main">
+  <p:cSld>
+    <p:spTree>
+      <p:nvGrpSpPr>
+        <p:cNvPr id="1" name=""/>
+        <p:cNvGrpSpPr/>
+        <p:nvPr/>
+      </p:nvGrpSpPr>
+      <p:grpSpPr>
+        <a:xfrm>
+          <a:off x="0" y="0"/>
+          <a:ext cx="0" cy="0"/>
+          <a:chOff x="0" y="0"/>
+          <a:chExt cx="0" cy="0"/>
+        </a:xfrm>
+      </p:grpSpPr>
+      <p:sp>
+        <p:nvSpPr>
+          <p:cNvPr id="2" name="Прямоугольник 1"/>
+          <p:cNvSpPr/>
+          <p:nvPr/>
+        </p:nvSpPr>
+        <p:spPr>
+          <a:xfrm>
+            <a:off x="1445410" y="0"/>
+            <a:ext cx="7423017" cy="369332"/>
+          </a:xfrm>
+          <a:prstGeom prst="rect">
+            <a:avLst/>
+          </a:prstGeom>
+        </p:spPr>
+        <p:txBody>
+          <a:bodyPr wrap="square">
+            <a:spAutoFit/>
+          </a:bodyPr>
+          <a:lstStyle/>
+          <a:p>
+            <a:pPr algn="ctr"/>
+            <a:r>
+              <a:rPr lang="ru-RU" b="1" dirty="0">
+                <a:latin typeface="Times New Roman" panose="02020603050405020304" pitchFamily="18" charset="0"/>
+                <a:cs typeface="Times New Roman" panose="02020603050405020304" pitchFamily="18" charset="0"/>
+              </a:rPr>
+              <a:t>Система "Номерного учета прибывших вагонов на АМКР"</a:t>
+            </a:r>
+          </a:p>
+        </p:txBody>
+      </p:sp>
+      <p:sp>
+        <p:nvSpPr>
+          <p:cNvPr id="3" name="Заголовок 2"/>
+          <p:cNvSpPr>
+            <a:spLocks noGrp="1"/>
+          </p:cNvSpPr>
+          <p:nvPr>
+            <p:ph type="title"/>
+          </p:nvPr>
+        </p:nvSpPr>
+        <p:spPr>
+          <a:xfrm>
+            <a:off x="839788" y="457200"/>
+            <a:ext cx="9844188" cy="530225"/>
+          </a:xfrm>
+        </p:spPr>
+        <p:txBody>
+          <a:bodyPr>
+            <a:noAutofit/>
+          </a:bodyPr>
+          <a:lstStyle/>
+          <a:p>
+            <a:r>
+              <a:rPr lang="ru-RU" sz="2400" b="1" i="1" dirty="0">
+                <a:solidFill>
+                  <a:schemeClr val="accent5"/>
+                </a:solidFill>
+              </a:rPr>
+              <a:t>Автоматическое формирование справочников ИДС</a:t>
+            </a:r>
+          </a:p>
+        </p:txBody>
+      </p:sp>
+      <p:sp>
+        <p:nvSpPr>
+          <p:cNvPr id="6" name="Текст 5"/>
+          <p:cNvSpPr>
+            <a:spLocks noGrp="1"/>
+          </p:cNvSpPr>
+          <p:nvPr>
+            <p:ph type="body" sz="half" idx="2"/>
+          </p:nvPr>
+        </p:nvSpPr>
+        <p:spPr>
+          <a:xfrm>
+            <a:off x="839788" y="987425"/>
+            <a:ext cx="3932237" cy="2732319"/>
+          </a:xfrm>
+        </p:spPr>
+        <p:txBody>
+          <a:bodyPr/>
+          <a:lstStyle/>
+          <a:p>
+            <a:r>
+              <a:rPr lang="ru-RU" i="1" dirty="0">
+                <a:solidFill>
+                  <a:schemeClr val="accent5"/>
+                </a:solidFill>
+              </a:rPr>
+              <a:t>Справочники заполняются автоматически из ЭПД и БД УЗ.</a:t>
+            </a:r>
+          </a:p>
+          <a:p>
+            <a:pPr marL="342900" indent="-342900">
+              <a:buAutoNum type="arabicPeriod"/>
+            </a:pPr>
+            <a:r>
+              <a:rPr lang="ru-RU" sz="1400" dirty="0"/>
+              <a:t>При формирование справочной информации данные берутся автоматически из ЭПД на вагон и БД УЗ</a:t>
+            </a:r>
+          </a:p>
+          <a:p>
+            <a:pPr marL="342900" indent="-342900">
+              <a:buAutoNum type="arabicPeriod"/>
+            </a:pPr>
+            <a:r>
+              <a:rPr lang="ru-RU" sz="1400" dirty="0"/>
+              <a:t>Контроль формирования справочников производится через сервисы ИДС «Справочники»</a:t>
+            </a:r>
+          </a:p>
+          <a:p>
+            <a:pPr marL="342900" indent="-342900">
+              <a:buAutoNum type="arabicPeriod"/>
+            </a:pPr>
+            <a:r>
+              <a:rPr lang="ru-RU" sz="1400" dirty="0"/>
+              <a:t>Вся справочная информация размещена в БД АМКР и на сегодняшний момент составляет более 40 справочников.</a:t>
+            </a:r>
+          </a:p>
+        </p:txBody>
+      </p:sp>
+      <p:pic>
+        <p:nvPicPr>
+          <p:cNvPr id="8" name="Объект 7">
+            <a:extLst>
+              <a:ext uri="{FF2B5EF4-FFF2-40B4-BE49-F238E27FC236}">
+                <a16:creationId xmlns:a16="http://schemas.microsoft.com/office/drawing/2014/main" id="{3721F173-1151-4673-B084-6D12FD7FCEF1}"/>
+              </a:ext>
+            </a:extLst>
+          </p:cNvPr>
+          <p:cNvPicPr>
+            <a:picLocks noGrp="1" noChangeAspect="1"/>
+          </p:cNvPicPr>
+          <p:nvPr>
+            <p:ph idx="1"/>
+          </p:nvPr>
+        </p:nvPicPr>
+        <p:blipFill>
+          <a:blip r:embed="rId2"/>
+          <a:stretch>
+            <a:fillRect/>
+          </a:stretch>
+        </p:blipFill>
+        <p:spPr>
+          <a:xfrm>
+            <a:off x="5424255" y="987426"/>
+            <a:ext cx="5208229" cy="5370470"/>
+          </a:xfrm>
+          <a:prstGeom prst="rect">
+            <a:avLst/>
+          </a:prstGeom>
+        </p:spPr>
+      </p:pic>
+    </p:spTree>
+    <p:extLst>
+      <p:ext uri="{BB962C8B-B14F-4D97-AF65-F5344CB8AC3E}">
+        <p14:creationId xmlns:p14="http://schemas.microsoft.com/office/powerpoint/2010/main" val="1864020680"/>
+      </p:ext>
+    </p:extLst>
+  </p:cSld>
+  <p:clrMapOvr>
+    <a:masterClrMapping/>
+  </p:clrMapOvr>
 </p:sld>
 </file>
 
